--- a/slides/ELUNA-2019-Dev-Days-Alma-Course.pptx
+++ b/slides/ELUNA-2019-Dev-Days-Alma-Course.pptx
@@ -7,10 +7,15 @@
   <p:sldIdLst>
     <p:sldId id="256" r:id="rId2"/>
     <p:sldId id="257" r:id="rId3"/>
-    <p:sldId id="258" r:id="rId4"/>
-    <p:sldId id="259" r:id="rId5"/>
-    <p:sldId id="260" r:id="rId6"/>
-    <p:sldId id="261" r:id="rId7"/>
+    <p:sldId id="259" r:id="rId4"/>
+    <p:sldId id="260" r:id="rId5"/>
+    <p:sldId id="261" r:id="rId6"/>
+    <p:sldId id="262" r:id="rId7"/>
+    <p:sldId id="263" r:id="rId8"/>
+    <p:sldId id="264" r:id="rId9"/>
+    <p:sldId id="266" r:id="rId10"/>
+    <p:sldId id="267" r:id="rId11"/>
+    <p:sldId id="268" r:id="rId12"/>
   </p:sldIdLst>
   <p:sldSz cx="12192000" cy="6858000"/>
   <p:notesSz cx="6858000" cy="9144000"/>
@@ -863,7 +868,7 @@
             <a:fld id="{B61BEF0D-F0BB-DE4B-95CE-6DB70DBA9567}" type="datetimeFigureOut">
               <a:rPr lang="en-US" dirty="0"/>
               <a:pPr/>
-              <a:t>4/28/2019</a:t>
+              <a:t>4/29/2019</a:t>
             </a:fld>
             <a:endParaRPr lang="en-US" dirty="0"/>
           </a:p>
@@ -1111,7 +1116,7 @@
             <a:fld id="{B61BEF0D-F0BB-DE4B-95CE-6DB70DBA9567}" type="datetimeFigureOut">
               <a:rPr lang="en-US" dirty="0"/>
               <a:pPr/>
-              <a:t>4/28/2019</a:t>
+              <a:t>4/29/2019</a:t>
             </a:fld>
             <a:endParaRPr lang="en-US" dirty="0"/>
           </a:p>
@@ -1422,7 +1427,7 @@
             <a:fld id="{B61BEF0D-F0BB-DE4B-95CE-6DB70DBA9567}" type="datetimeFigureOut">
               <a:rPr lang="en-US" dirty="0"/>
               <a:pPr/>
-              <a:t>4/28/2019</a:t>
+              <a:t>4/29/2019</a:t>
             </a:fld>
             <a:endParaRPr lang="en-US" dirty="0"/>
           </a:p>
@@ -1752,7 +1757,7 @@
             <a:fld id="{B61BEF0D-F0BB-DE4B-95CE-6DB70DBA9567}" type="datetimeFigureOut">
               <a:rPr lang="en-US" dirty="0"/>
               <a:pPr/>
-              <a:t>4/28/2019</a:t>
+              <a:t>4/29/2019</a:t>
             </a:fld>
             <a:endParaRPr lang="en-US" dirty="0"/>
           </a:p>
@@ -2063,7 +2068,7 @@
             <a:fld id="{B61BEF0D-F0BB-DE4B-95CE-6DB70DBA9567}" type="datetimeFigureOut">
               <a:rPr lang="en-US" dirty="0"/>
               <a:pPr/>
-              <a:t>4/28/2019</a:t>
+              <a:t>4/29/2019</a:t>
             </a:fld>
             <a:endParaRPr lang="en-US" dirty="0"/>
           </a:p>
@@ -2453,7 +2458,7 @@
             <a:fld id="{B61BEF0D-F0BB-DE4B-95CE-6DB70DBA9567}" type="datetimeFigureOut">
               <a:rPr lang="en-US" dirty="0"/>
               <a:pPr/>
-              <a:t>4/28/2019</a:t>
+              <a:t>4/29/2019</a:t>
             </a:fld>
             <a:endParaRPr lang="en-US" dirty="0"/>
           </a:p>
@@ -2619,7 +2624,7 @@
           <a:p>
             <a:fld id="{55C6B4A9-1611-4792-9094-5F34BCA07E0B}" type="datetimeFigureOut">
               <a:rPr lang="en-US" dirty="0"/>
-              <a:t>4/28/2019</a:t>
+              <a:t>4/29/2019</a:t>
             </a:fld>
             <a:endParaRPr lang="en-US" dirty="0"/>
           </a:p>
@@ -2795,7 +2800,7 @@
             <a:fld id="{B61BEF0D-F0BB-DE4B-95CE-6DB70DBA9567}" type="datetimeFigureOut">
               <a:rPr lang="en-US" dirty="0"/>
               <a:pPr/>
-              <a:t>4/28/2019</a:t>
+              <a:t>4/29/2019</a:t>
             </a:fld>
             <a:endParaRPr lang="en-US" dirty="0"/>
           </a:p>
@@ -2961,7 +2966,7 @@
           <a:p>
             <a:fld id="{42A54C80-263E-416B-A8E0-580EDEADCBDC}" type="datetimeFigureOut">
               <a:rPr lang="en-US" dirty="0"/>
-              <a:t>4/28/2019</a:t>
+              <a:t>4/29/2019</a:t>
             </a:fld>
             <a:endParaRPr lang="en-US" dirty="0"/>
           </a:p>
@@ -3204,7 +3209,7 @@
             <a:fld id="{B61BEF0D-F0BB-DE4B-95CE-6DB70DBA9567}" type="datetimeFigureOut">
               <a:rPr lang="en-US" dirty="0"/>
               <a:pPr/>
-              <a:t>4/28/2019</a:t>
+              <a:t>4/29/2019</a:t>
             </a:fld>
             <a:endParaRPr lang="en-US" dirty="0"/>
           </a:p>
@@ -3432,7 +3437,7 @@
           <a:p>
             <a:fld id="{42A54C80-263E-416B-A8E0-580EDEADCBDC}" type="datetimeFigureOut">
               <a:rPr lang="en-US" dirty="0"/>
-              <a:t>4/28/2019</a:t>
+              <a:t>4/29/2019</a:t>
             </a:fld>
             <a:endParaRPr lang="en-US" dirty="0"/>
           </a:p>
@@ -3802,7 +3807,7 @@
             <a:fld id="{B61BEF0D-F0BB-DE4B-95CE-6DB70DBA9567}" type="datetimeFigureOut">
               <a:rPr lang="en-US" dirty="0"/>
               <a:pPr/>
-              <a:t>4/28/2019</a:t>
+              <a:t>4/29/2019</a:t>
             </a:fld>
             <a:endParaRPr lang="en-US" dirty="0"/>
           </a:p>
@@ -3922,7 +3927,7 @@
             <a:fld id="{B61BEF0D-F0BB-DE4B-95CE-6DB70DBA9567}" type="datetimeFigureOut">
               <a:rPr lang="en-US" dirty="0"/>
               <a:pPr/>
-              <a:t>4/28/2019</a:t>
+              <a:t>4/29/2019</a:t>
             </a:fld>
             <a:endParaRPr lang="en-US" dirty="0"/>
           </a:p>
@@ -4014,7 +4019,7 @@
             <a:fld id="{B61BEF0D-F0BB-DE4B-95CE-6DB70DBA9567}" type="datetimeFigureOut">
               <a:rPr lang="en-US" dirty="0"/>
               <a:pPr/>
-              <a:t>4/28/2019</a:t>
+              <a:t>4/29/2019</a:t>
             </a:fld>
             <a:endParaRPr lang="en-US" dirty="0"/>
           </a:p>
@@ -4265,7 +4270,7 @@
           <a:p>
             <a:fld id="{42A54C80-263E-416B-A8E0-580EDEADCBDC}" type="datetimeFigureOut">
               <a:rPr lang="en-US" dirty="0"/>
-              <a:t>4/28/2019</a:t>
+              <a:t>4/29/2019</a:t>
             </a:fld>
             <a:endParaRPr lang="en-US" dirty="0"/>
           </a:p>
@@ -4567,7 +4572,7 @@
             <a:fld id="{B61BEF0D-F0BB-DE4B-95CE-6DB70DBA9567}" type="datetimeFigureOut">
               <a:rPr lang="en-US" dirty="0"/>
               <a:pPr/>
-              <a:t>4/28/2019</a:t>
+              <a:t>4/29/2019</a:t>
             </a:fld>
             <a:endParaRPr lang="en-US" dirty="0"/>
           </a:p>
@@ -5265,7 +5270,7 @@
             <a:fld id="{B61BEF0D-F0BB-DE4B-95CE-6DB70DBA9567}" type="datetimeFigureOut">
               <a:rPr lang="en-US" dirty="0"/>
               <a:pPr/>
-              <a:t>4/28/2019</a:t>
+              <a:t>4/29/2019</a:t>
             </a:fld>
             <a:endParaRPr lang="en-US" dirty="0"/>
           </a:p>
@@ -5869,6 +5874,235 @@
 </p:sld>
 </file>
 
+<file path=ppt/slides/slide10.xml><?xml version="1.0" encoding="utf-8"?>
+<p:sld xmlns:a="http://schemas.openxmlformats.org/drawingml/2006/main" xmlns:r="http://schemas.openxmlformats.org/officeDocument/2006/relationships" xmlns:p="http://schemas.openxmlformats.org/presentationml/2006/main">
+  <p:cSld>
+    <p:spTree>
+      <p:nvGrpSpPr>
+        <p:cNvPr id="1" name=""/>
+        <p:cNvGrpSpPr/>
+        <p:nvPr/>
+      </p:nvGrpSpPr>
+      <p:grpSpPr>
+        <a:xfrm>
+          <a:off x="0" y="0"/>
+          <a:ext cx="0" cy="0"/>
+          <a:chOff x="0" y="0"/>
+          <a:chExt cx="0" cy="0"/>
+        </a:xfrm>
+      </p:grpSpPr>
+      <p:sp>
+        <p:nvSpPr>
+          <p:cNvPr id="2" name="Title 1"/>
+          <p:cNvSpPr>
+            <a:spLocks noGrp="1"/>
+          </p:cNvSpPr>
+          <p:nvPr>
+            <p:ph type="title"/>
+          </p:nvPr>
+        </p:nvSpPr>
+        <p:spPr>
+          <a:xfrm>
+            <a:off x="685799" y="609600"/>
+            <a:ext cx="8588203" cy="1042737"/>
+          </a:xfrm>
+        </p:spPr>
+        <p:txBody>
+          <a:bodyPr/>
+          <a:lstStyle/>
+          <a:p>
+            <a:r>
+              <a:rPr lang="en-US" sz="5400" dirty="0" smtClean="0"/>
+              <a:t>API Security</a:t>
+            </a:r>
+            <a:endParaRPr lang="en-US" dirty="0"/>
+          </a:p>
+        </p:txBody>
+      </p:sp>
+      <p:sp>
+        <p:nvSpPr>
+          <p:cNvPr id="4" name="Text Placeholder 3"/>
+          <p:cNvSpPr>
+            <a:spLocks noGrp="1"/>
+          </p:cNvSpPr>
+          <p:nvPr>
+            <p:ph type="body" idx="1"/>
+          </p:nvPr>
+        </p:nvSpPr>
+        <p:spPr>
+          <a:xfrm>
+            <a:off x="685799" y="1652337"/>
+            <a:ext cx="7293280" cy="4460364"/>
+          </a:xfrm>
+        </p:spPr>
+        <p:txBody>
+          <a:bodyPr>
+            <a:normAutofit lnSpcReduction="10000"/>
+          </a:bodyPr>
+          <a:lstStyle/>
+          <a:p>
+            <a:pPr marL="457200" indent="-457200">
+              <a:buAutoNum type="arabicParenR"/>
+            </a:pPr>
+            <a:r>
+              <a:rPr lang="en-US" sz="2400" dirty="0" smtClean="0"/>
+              <a:t>API permissions are fairly broad, so each application or script should have it’s own API with only the permissions needed for that script or app.</a:t>
+            </a:r>
+          </a:p>
+          <a:p>
+            <a:pPr marL="457200" indent="-457200">
+              <a:buAutoNum type="arabicParenR"/>
+            </a:pPr>
+            <a:r>
+              <a:rPr lang="en-US" sz="2400" dirty="0" smtClean="0"/>
+              <a:t>Keep API key for app stored in a safe place. </a:t>
+            </a:r>
+          </a:p>
+          <a:p>
+            <a:pPr marL="457200" indent="-457200">
+              <a:buAutoNum type="arabicParenR"/>
+            </a:pPr>
+            <a:r>
+              <a:rPr lang="en-US" sz="2400" dirty="0" smtClean="0"/>
+              <a:t>Three ways to store API keys: plain text </a:t>
+            </a:r>
+            <a:r>
+              <a:rPr lang="en-US" sz="2400" dirty="0" err="1" smtClean="0"/>
+              <a:t>config</a:t>
+            </a:r>
+            <a:r>
+              <a:rPr lang="en-US" sz="2400" dirty="0" smtClean="0"/>
+              <a:t> file (what we are doing today), store as environmental variable, or create your own API layer on top of the Alma API.</a:t>
+            </a:r>
+          </a:p>
+          <a:p>
+            <a:pPr marL="457200" indent="-457200">
+              <a:buAutoNum type="arabicParenR"/>
+            </a:pPr>
+            <a:r>
+              <a:rPr lang="en-US" sz="2400" dirty="0" smtClean="0"/>
+              <a:t>Keep your IT department in the loop and talk with them about best practices for your institution.</a:t>
+            </a:r>
+          </a:p>
+        </p:txBody>
+      </p:sp>
+    </p:spTree>
+    <p:extLst>
+      <p:ext uri="{BB962C8B-B14F-4D97-AF65-F5344CB8AC3E}">
+        <p14:creationId xmlns:p14="http://schemas.microsoft.com/office/powerpoint/2010/main" val="358844877"/>
+      </p:ext>
+    </p:extLst>
+  </p:cSld>
+  <p:clrMapOvr>
+    <a:masterClrMapping/>
+  </p:clrMapOvr>
+</p:sld>
+</file>
+
+<file path=ppt/slides/slide11.xml><?xml version="1.0" encoding="utf-8"?>
+<p:sld xmlns:a="http://schemas.openxmlformats.org/drawingml/2006/main" xmlns:r="http://schemas.openxmlformats.org/officeDocument/2006/relationships" xmlns:p="http://schemas.openxmlformats.org/presentationml/2006/main">
+  <p:cSld>
+    <p:spTree>
+      <p:nvGrpSpPr>
+        <p:cNvPr id="1" name=""/>
+        <p:cNvGrpSpPr/>
+        <p:nvPr/>
+      </p:nvGrpSpPr>
+      <p:grpSpPr>
+        <a:xfrm>
+          <a:off x="0" y="0"/>
+          <a:ext cx="0" cy="0"/>
+          <a:chOff x="0" y="0"/>
+          <a:chExt cx="0" cy="0"/>
+        </a:xfrm>
+      </p:grpSpPr>
+      <p:sp>
+        <p:nvSpPr>
+          <p:cNvPr id="2" name="Title 1"/>
+          <p:cNvSpPr>
+            <a:spLocks noGrp="1"/>
+          </p:cNvSpPr>
+          <p:nvPr>
+            <p:ph type="title"/>
+          </p:nvPr>
+        </p:nvSpPr>
+        <p:spPr>
+          <a:xfrm>
+            <a:off x="685799" y="609600"/>
+            <a:ext cx="8588203" cy="1042737"/>
+          </a:xfrm>
+        </p:spPr>
+        <p:txBody>
+          <a:bodyPr/>
+          <a:lstStyle/>
+          <a:p>
+            <a:r>
+              <a:rPr lang="en-US" sz="5400" dirty="0" smtClean="0"/>
+              <a:t>API limits</a:t>
+            </a:r>
+            <a:endParaRPr lang="en-US" dirty="0"/>
+          </a:p>
+        </p:txBody>
+      </p:sp>
+      <p:sp>
+        <p:nvSpPr>
+          <p:cNvPr id="4" name="Text Placeholder 3"/>
+          <p:cNvSpPr>
+            <a:spLocks noGrp="1"/>
+          </p:cNvSpPr>
+          <p:nvPr>
+            <p:ph type="body" idx="1"/>
+          </p:nvPr>
+        </p:nvSpPr>
+        <p:spPr>
+          <a:xfrm>
+            <a:off x="685799" y="1652337"/>
+            <a:ext cx="7293280" cy="4460364"/>
+          </a:xfrm>
+        </p:spPr>
+        <p:txBody>
+          <a:bodyPr>
+            <a:normAutofit/>
+          </a:bodyPr>
+          <a:lstStyle/>
+          <a:p>
+            <a:pPr marL="457200" indent="-457200">
+              <a:buAutoNum type="arabicParenR"/>
+            </a:pPr>
+            <a:r>
+              <a:rPr lang="en-US" sz="2400" dirty="0" smtClean="0"/>
+              <a:t>API have daily limits that are very generous, but be mindful of your API calls.</a:t>
+            </a:r>
+          </a:p>
+          <a:p>
+            <a:pPr marL="457200" indent="-457200">
+              <a:buAutoNum type="arabicParenR"/>
+            </a:pPr>
+            <a:r>
+              <a:rPr lang="en-US" sz="2400" dirty="0" smtClean="0"/>
+              <a:t>Don’t make an API call unless you need </a:t>
+            </a:r>
+            <a:r>
+              <a:rPr lang="en-US" sz="2400" smtClean="0"/>
+              <a:t>to.</a:t>
+            </a:r>
+            <a:endParaRPr lang="en-US" sz="2400" dirty="0"/>
+          </a:p>
+        </p:txBody>
+      </p:sp>
+    </p:spTree>
+    <p:extLst>
+      <p:ext uri="{BB962C8B-B14F-4D97-AF65-F5344CB8AC3E}">
+        <p14:creationId xmlns:p14="http://schemas.microsoft.com/office/powerpoint/2010/main" val="1337621231"/>
+      </p:ext>
+    </p:extLst>
+  </p:cSld>
+  <p:clrMapOvr>
+    <a:masterClrMapping/>
+  </p:clrMapOvr>
+</p:sld>
+</file>
+
 <file path=ppt/slides/slide2.xml><?xml version="1.0" encoding="utf-8"?>
 <p:sld xmlns:a="http://schemas.openxmlformats.org/drawingml/2006/main" xmlns:r="http://schemas.openxmlformats.org/officeDocument/2006/relationships" xmlns:p="http://schemas.openxmlformats.org/presentationml/2006/main">
   <p:cSld>
@@ -6028,7 +6262,7 @@
             </a:pPr>
             <a:r>
               <a:rPr lang="en-US" sz="2800" dirty="0" smtClean="0"/>
-              <a:t>Test your applications.</a:t>
+              <a:t>Test your application.</a:t>
             </a:r>
           </a:p>
           <a:p>
@@ -6036,6 +6270,63 @@
               <a:buAutoNum type="arabicParenR"/>
             </a:pPr>
             <a:endParaRPr lang="en-US" sz="2400" dirty="0"/>
+          </a:p>
+        </p:txBody>
+      </p:sp>
+      <p:sp>
+        <p:nvSpPr>
+          <p:cNvPr id="5" name="Rectangle 4"/>
+          <p:cNvSpPr/>
+          <p:nvPr/>
+        </p:nvSpPr>
+        <p:spPr>
+          <a:xfrm>
+            <a:off x="677333" y="5898911"/>
+            <a:ext cx="6096000" cy="646331"/>
+          </a:xfrm>
+          <a:prstGeom prst="rect">
+            <a:avLst/>
+          </a:prstGeom>
+        </p:spPr>
+        <p:txBody>
+          <a:bodyPr>
+            <a:spAutoFit/>
+          </a:bodyPr>
+          <a:lstStyle/>
+          <a:p>
+            <a:r>
+              <a:rPr lang="en-US" dirty="0">
+                <a:solidFill>
+                  <a:schemeClr val="tx2">
+                    <a:lumMod val="60000"/>
+                    <a:lumOff val="40000"/>
+                  </a:schemeClr>
+                </a:solidFill>
+              </a:rPr>
+              <a:t>By re-creating one of my programs, </a:t>
+            </a:r>
+            <a:r>
+              <a:rPr lang="en-US" dirty="0" err="1">
+                <a:solidFill>
+                  <a:schemeClr val="tx2">
+                    <a:lumMod val="60000"/>
+                    <a:lumOff val="40000"/>
+                  </a:schemeClr>
+                </a:solidFill>
+              </a:rPr>
+              <a:t>LazyLists</a:t>
+            </a:r>
+            <a:r>
+              <a:rPr lang="en-US" dirty="0">
+                <a:solidFill>
+                  <a:schemeClr val="tx2">
+                    <a:lumMod val="60000"/>
+                    <a:lumOff val="40000"/>
+                  </a:schemeClr>
+                </a:solidFill>
+              </a:rPr>
+              <a:t>, from scratch (or, mostly from scratch).</a:t>
+            </a:r>
           </a:p>
         </p:txBody>
       </p:sp>
@@ -6091,7 +6382,15 @@
           <a:p>
             <a:r>
               <a:rPr lang="en-US" sz="5400" dirty="0" smtClean="0"/>
-              <a:t>How?</a:t>
+              <a:t>What’s </a:t>
+            </a:r>
+            <a:r>
+              <a:rPr lang="en-US" sz="5400" dirty="0" err="1" smtClean="0"/>
+              <a:t>LazyLists</a:t>
+            </a:r>
+            <a:r>
+              <a:rPr lang="en-US" sz="5400" dirty="0" smtClean="0"/>
+              <a:t>?</a:t>
             </a:r>
             <a:endParaRPr lang="en-US" dirty="0"/>
           </a:p>
@@ -6110,121 +6409,21 @@
         <p:spPr>
           <a:xfrm>
             <a:off x="677333" y="2470484"/>
-            <a:ext cx="7151212" cy="3553326"/>
+            <a:ext cx="7151212" cy="3592114"/>
           </a:xfrm>
         </p:spPr>
         <p:txBody>
           <a:bodyPr>
-            <a:normAutofit/>
+            <a:normAutofit lnSpcReduction="10000"/>
           </a:bodyPr>
           <a:lstStyle/>
           <a:p>
-            <a:r>
-              <a:rPr lang="en-US" sz="2400" dirty="0" smtClean="0"/>
-              <a:t>By re-creating one of my programs, </a:t>
-            </a:r>
             <a:r>
               <a:rPr lang="en-US" sz="2400" dirty="0" err="1" smtClean="0"/>
               <a:t>LazyLists</a:t>
             </a:r>
             <a:r>
               <a:rPr lang="en-US" sz="2400" dirty="0" smtClean="0"/>
-              <a:t>, from scratch (or, mostly from scratch).</a:t>
-            </a:r>
-            <a:endParaRPr lang="en-US" sz="2400" dirty="0"/>
-          </a:p>
-        </p:txBody>
-      </p:sp>
-    </p:spTree>
-    <p:extLst>
-      <p:ext uri="{BB962C8B-B14F-4D97-AF65-F5344CB8AC3E}">
-        <p14:creationId xmlns:p14="http://schemas.microsoft.com/office/powerpoint/2010/main" val="169020017"/>
-      </p:ext>
-    </p:extLst>
-  </p:cSld>
-  <p:clrMapOvr>
-    <a:masterClrMapping/>
-  </p:clrMapOvr>
-</p:sld>
-</file>
-
-<file path=ppt/slides/slide4.xml><?xml version="1.0" encoding="utf-8"?>
-<p:sld xmlns:a="http://schemas.openxmlformats.org/drawingml/2006/main" xmlns:r="http://schemas.openxmlformats.org/officeDocument/2006/relationships" xmlns:p="http://schemas.openxmlformats.org/presentationml/2006/main">
-  <p:cSld>
-    <p:spTree>
-      <p:nvGrpSpPr>
-        <p:cNvPr id="1" name=""/>
-        <p:cNvGrpSpPr/>
-        <p:nvPr/>
-      </p:nvGrpSpPr>
-      <p:grpSpPr>
-        <a:xfrm>
-          <a:off x="0" y="0"/>
-          <a:ext cx="0" cy="0"/>
-          <a:chOff x="0" y="0"/>
-          <a:chExt cx="0" cy="0"/>
-        </a:xfrm>
-      </p:grpSpPr>
-      <p:sp>
-        <p:nvSpPr>
-          <p:cNvPr id="2" name="Title 1"/>
-          <p:cNvSpPr>
-            <a:spLocks noGrp="1"/>
-          </p:cNvSpPr>
-          <p:nvPr>
-            <p:ph type="title"/>
-          </p:nvPr>
-        </p:nvSpPr>
-        <p:spPr>
-          <a:xfrm>
-            <a:off x="685799" y="609600"/>
-            <a:ext cx="8588203" cy="1042737"/>
-          </a:xfrm>
-        </p:spPr>
-        <p:txBody>
-          <a:bodyPr/>
-          <a:lstStyle/>
-          <a:p>
-            <a:r>
-              <a:rPr lang="en-US" sz="5400" dirty="0" smtClean="0"/>
-              <a:t>What’s </a:t>
-            </a:r>
-            <a:r>
-              <a:rPr lang="en-US" sz="5400" dirty="0" err="1" smtClean="0"/>
-              <a:t>LazyLists</a:t>
-            </a:r>
-            <a:endParaRPr lang="en-US" dirty="0"/>
-          </a:p>
-        </p:txBody>
-      </p:sp>
-      <p:sp>
-        <p:nvSpPr>
-          <p:cNvPr id="4" name="Text Placeholder 3"/>
-          <p:cNvSpPr>
-            <a:spLocks noGrp="1"/>
-          </p:cNvSpPr>
-          <p:nvPr>
-            <p:ph type="body" idx="1"/>
-          </p:nvPr>
-        </p:nvSpPr>
-        <p:spPr>
-          <a:xfrm>
-            <a:off x="677333" y="2470484"/>
-            <a:ext cx="7151212" cy="3553326"/>
-          </a:xfrm>
-        </p:spPr>
-        <p:txBody>
-          <a:bodyPr>
-            <a:normAutofit/>
-          </a:bodyPr>
-          <a:lstStyle/>
-          <a:p>
-            <a:r>
-              <a:rPr lang="en-US" sz="2400" dirty="0" err="1" smtClean="0"/>
-              <a:t>LazyLists</a:t>
-            </a:r>
-            <a:r>
-              <a:rPr lang="en-US" sz="2400" dirty="0" smtClean="0"/>
               <a:t> is an application that allows a user to add items to a set in Alma by scanning the barcode of a book in hand.</a:t>
             </a:r>
           </a:p>
@@ -6238,9 +6437,8 @@
           <a:p>
             <a:r>
               <a:rPr lang="en-US" sz="2400" dirty="0" smtClean="0"/>
-              <a:t>By the end of this course, you will have a fully functioning template that will allow you to plug in your own code to do lots of other tasks in Alma.</a:t>
-            </a:r>
-            <a:endParaRPr lang="en-US" sz="2400" dirty="0"/>
+              <a:t>By the end of this course, you will have a fully functioning application that will serve as a template that you can take home and plug in your own code to create your own apps.</a:t>
+            </a:r>
           </a:p>
         </p:txBody>
       </p:sp>
@@ -6298,6 +6496,59 @@
 </p:sld>
 </file>
 
+<file path=ppt/slides/slide4.xml><?xml version="1.0" encoding="utf-8"?>
+<p:sld xmlns:a="http://schemas.openxmlformats.org/drawingml/2006/main" xmlns:r="http://schemas.openxmlformats.org/officeDocument/2006/relationships" xmlns:p="http://schemas.openxmlformats.org/presentationml/2006/main">
+  <p:cSld>
+    <p:spTree>
+      <p:nvGrpSpPr>
+        <p:cNvPr id="1" name=""/>
+        <p:cNvGrpSpPr/>
+        <p:nvPr/>
+      </p:nvGrpSpPr>
+      <p:grpSpPr>
+        <a:xfrm>
+          <a:off x="0" y="0"/>
+          <a:ext cx="0" cy="0"/>
+          <a:chOff x="0" y="0"/>
+          <a:chExt cx="0" cy="0"/>
+        </a:xfrm>
+      </p:grpSpPr>
+      <p:sp>
+        <p:nvSpPr>
+          <p:cNvPr id="2" name="Title 1"/>
+          <p:cNvSpPr>
+            <a:spLocks noGrp="1"/>
+          </p:cNvSpPr>
+          <p:nvPr>
+            <p:ph type="title"/>
+          </p:nvPr>
+        </p:nvSpPr>
+        <p:spPr/>
+        <p:txBody>
+          <a:bodyPr/>
+          <a:lstStyle/>
+          <a:p>
+            <a:r>
+              <a:rPr lang="en-US" dirty="0" smtClean="0"/>
+              <a:t>Questions?</a:t>
+            </a:r>
+            <a:endParaRPr lang="en-US" dirty="0"/>
+          </a:p>
+        </p:txBody>
+      </p:sp>
+    </p:spTree>
+    <p:extLst>
+      <p:ext uri="{BB962C8B-B14F-4D97-AF65-F5344CB8AC3E}">
+        <p14:creationId xmlns:p14="http://schemas.microsoft.com/office/powerpoint/2010/main" val="1292965837"/>
+      </p:ext>
+    </p:extLst>
+  </p:cSld>
+  <p:clrMapOvr>
+    <a:masterClrMapping/>
+  </p:clrMapOvr>
+</p:sld>
+</file>
+
 <file path=ppt/slides/slide5.xml><?xml version="1.0" encoding="utf-8"?>
 <p:sld xmlns:a="http://schemas.openxmlformats.org/drawingml/2006/main" xmlns:r="http://schemas.openxmlformats.org/officeDocument/2006/relationships" xmlns:p="http://schemas.openxmlformats.org/presentationml/2006/main">
   <p:cSld>
@@ -6325,23 +6576,89 @@
             <p:ph type="title"/>
           </p:nvPr>
         </p:nvSpPr>
-        <p:spPr/>
+        <p:spPr>
+          <a:xfrm>
+            <a:off x="685799" y="609600"/>
+            <a:ext cx="8588203" cy="1042737"/>
+          </a:xfrm>
+        </p:spPr>
         <p:txBody>
           <a:bodyPr/>
           <a:lstStyle/>
           <a:p>
             <a:r>
-              <a:rPr lang="en-US" dirty="0" smtClean="0"/>
-              <a:t>Questions?</a:t>
-            </a:r>
-            <a:endParaRPr lang="en-US" dirty="0"/>
+              <a:rPr lang="en-US" sz="5400" dirty="0" smtClean="0"/>
+              <a:t>Let’s get started!</a:t>
+            </a:r>
+            <a:endParaRPr lang="en-US" dirty="0"/>
+          </a:p>
+        </p:txBody>
+      </p:sp>
+      <p:sp>
+        <p:nvSpPr>
+          <p:cNvPr id="4" name="Text Placeholder 3"/>
+          <p:cNvSpPr>
+            <a:spLocks noGrp="1"/>
+          </p:cNvSpPr>
+          <p:nvPr>
+            <p:ph type="body" idx="1"/>
+          </p:nvPr>
+        </p:nvSpPr>
+        <p:spPr>
+          <a:xfrm>
+            <a:off x="677333" y="2470484"/>
+            <a:ext cx="7151212" cy="3553326"/>
+          </a:xfrm>
+        </p:spPr>
+        <p:txBody>
+          <a:bodyPr>
+            <a:normAutofit fontScale="92500" lnSpcReduction="10000"/>
+          </a:bodyPr>
+          <a:lstStyle/>
+          <a:p>
+            <a:r>
+              <a:rPr lang="en-US" sz="2400" dirty="0"/>
+              <a:t>Go to: </a:t>
+            </a:r>
+            <a:r>
+              <a:rPr lang="en-US" sz="2400" dirty="0">
+                <a:hlinkClick r:id="rId2"/>
+              </a:rPr>
+              <a:t>http://</a:t>
+            </a:r>
+            <a:r>
+              <a:rPr lang="en-US" sz="2400" dirty="0" smtClean="0">
+                <a:hlinkClick r:id="rId2"/>
+              </a:rPr>
+              <a:t>bit.ly/eluna-alma-workshop</a:t>
+            </a:r>
+            <a:endParaRPr lang="en-US" sz="2400" dirty="0" smtClean="0"/>
+          </a:p>
+          <a:p>
+            <a:endParaRPr lang="en-US" sz="2400" dirty="0" smtClean="0"/>
+          </a:p>
+          <a:p>
+            <a:r>
+              <a:rPr lang="en-US" sz="2400" dirty="0" smtClean="0"/>
+              <a:t>Click “Clone or download” (green button), download to your local machine, and unzip to a location of your choice.</a:t>
+            </a:r>
+          </a:p>
+          <a:p>
+            <a:endParaRPr lang="en-US" sz="2400" dirty="0"/>
+          </a:p>
+          <a:p>
+            <a:r>
+              <a:rPr lang="en-US" sz="2400" dirty="0" smtClean="0"/>
+              <a:t>*** You already did this during the installation process, but do it again – I’ve updated the course files since then ***</a:t>
+            </a:r>
+            <a:endParaRPr lang="en-US" sz="2400" dirty="0"/>
           </a:p>
         </p:txBody>
       </p:sp>
     </p:spTree>
     <p:extLst>
       <p:ext uri="{BB962C8B-B14F-4D97-AF65-F5344CB8AC3E}">
-        <p14:creationId xmlns:p14="http://schemas.microsoft.com/office/powerpoint/2010/main" val="1292965837"/>
+        <p14:creationId xmlns:p14="http://schemas.microsoft.com/office/powerpoint/2010/main" val="53455487"/>
       </p:ext>
     </p:extLst>
   </p:cSld>
@@ -6389,8 +6706,12 @@
           <a:lstStyle/>
           <a:p>
             <a:r>
+              <a:rPr lang="en-US" sz="5400" dirty="0" err="1" smtClean="0"/>
+              <a:t>Config</a:t>
+            </a:r>
+            <a:r>
               <a:rPr lang="en-US" sz="5400" dirty="0" smtClean="0"/>
-              <a:t>Let’s get started!</a:t>
+              <a:t> Files</a:t>
             </a:r>
             <a:endParaRPr lang="en-US" dirty="0"/>
           </a:p>
@@ -6418,49 +6739,421 @@
           </a:bodyPr>
           <a:lstStyle/>
           <a:p>
-            <a:r>
-              <a:rPr lang="en-US" sz="2400" dirty="0"/>
-              <a:t>Go to: </a:t>
-            </a:r>
-            <a:r>
-              <a:rPr lang="en-US" sz="2400" dirty="0">
-                <a:hlinkClick r:id="rId2"/>
-              </a:rPr>
-              <a:t>http://</a:t>
-            </a:r>
-            <a:r>
-              <a:rPr lang="en-US" sz="2400" dirty="0" smtClean="0">
-                <a:hlinkClick r:id="rId2"/>
-              </a:rPr>
-              <a:t>bit.ly/eluna-alma-workshop</a:t>
-            </a:r>
-            <a:endParaRPr lang="en-US" sz="2400" dirty="0" smtClean="0"/>
-          </a:p>
-          <a:p>
-            <a:endParaRPr lang="en-US" sz="2400" dirty="0" smtClean="0"/>
-          </a:p>
-          <a:p>
+            <a:pPr marL="457200" indent="-457200">
+              <a:buAutoNum type="arabicParenR"/>
+            </a:pPr>
             <a:r>
               <a:rPr lang="en-US" sz="2400" dirty="0" smtClean="0"/>
-              <a:t>Click “Clone or download” and download to your local machine.</a:t>
-            </a:r>
-          </a:p>
-          <a:p>
+              <a:t>Plain-text files that store settings for a program.</a:t>
+            </a:r>
+          </a:p>
+          <a:p>
+            <a:pPr marL="457200" indent="-457200">
+              <a:buAutoNum type="arabicParenR"/>
+            </a:pPr>
+            <a:r>
+              <a:rPr lang="en-US" sz="2400" dirty="0" smtClean="0"/>
+              <a:t>Easier than creating complex GUIs.</a:t>
+            </a:r>
             <a:endParaRPr lang="en-US" sz="2400" dirty="0"/>
           </a:p>
           <a:p>
+            <a:pPr marL="457200" indent="-457200">
+              <a:buAutoNum type="arabicParenR"/>
+            </a:pPr>
             <a:r>
               <a:rPr lang="en-US" sz="2400" dirty="0" smtClean="0"/>
-              <a:t>*** You already did this during the installation process, but do it again – I’ve updated the course files since then ***</a:t>
-            </a:r>
-            <a:endParaRPr lang="en-US" sz="2400" dirty="0"/>
+              <a:t>Store in a safe place – Security concerns.</a:t>
+            </a:r>
           </a:p>
         </p:txBody>
       </p:sp>
     </p:spTree>
     <p:extLst>
       <p:ext uri="{BB962C8B-B14F-4D97-AF65-F5344CB8AC3E}">
-        <p14:creationId xmlns:p14="http://schemas.microsoft.com/office/powerpoint/2010/main" val="53455487"/>
+        <p14:creationId xmlns:p14="http://schemas.microsoft.com/office/powerpoint/2010/main" val="83881895"/>
+      </p:ext>
+    </p:extLst>
+  </p:cSld>
+  <p:clrMapOvr>
+    <a:masterClrMapping/>
+  </p:clrMapOvr>
+</p:sld>
+</file>
+
+<file path=ppt/slides/slide7.xml><?xml version="1.0" encoding="utf-8"?>
+<p:sld xmlns:a="http://schemas.openxmlformats.org/drawingml/2006/main" xmlns:r="http://schemas.openxmlformats.org/officeDocument/2006/relationships" xmlns:p="http://schemas.openxmlformats.org/presentationml/2006/main">
+  <p:cSld>
+    <p:spTree>
+      <p:nvGrpSpPr>
+        <p:cNvPr id="1" name=""/>
+        <p:cNvGrpSpPr/>
+        <p:nvPr/>
+      </p:nvGrpSpPr>
+      <p:grpSpPr>
+        <a:xfrm>
+          <a:off x="0" y="0"/>
+          <a:ext cx="0" cy="0"/>
+          <a:chOff x="0" y="0"/>
+          <a:chExt cx="0" cy="0"/>
+        </a:xfrm>
+      </p:grpSpPr>
+      <p:sp>
+        <p:nvSpPr>
+          <p:cNvPr id="2" name="Title 1"/>
+          <p:cNvSpPr>
+            <a:spLocks noGrp="1"/>
+          </p:cNvSpPr>
+          <p:nvPr>
+            <p:ph type="title"/>
+          </p:nvPr>
+        </p:nvSpPr>
+        <p:spPr>
+          <a:xfrm>
+            <a:off x="685799" y="609600"/>
+            <a:ext cx="8588203" cy="1042737"/>
+          </a:xfrm>
+        </p:spPr>
+        <p:txBody>
+          <a:bodyPr/>
+          <a:lstStyle/>
+          <a:p>
+            <a:r>
+              <a:rPr lang="en-US" sz="5400" dirty="0" smtClean="0"/>
+              <a:t>GUIs</a:t>
+            </a:r>
+            <a:endParaRPr lang="en-US" dirty="0"/>
+          </a:p>
+        </p:txBody>
+      </p:sp>
+      <p:sp>
+        <p:nvSpPr>
+          <p:cNvPr id="4" name="Text Placeholder 3"/>
+          <p:cNvSpPr>
+            <a:spLocks noGrp="1"/>
+          </p:cNvSpPr>
+          <p:nvPr>
+            <p:ph type="body" idx="1"/>
+          </p:nvPr>
+        </p:nvSpPr>
+        <p:spPr>
+          <a:xfrm>
+            <a:off x="677333" y="2470484"/>
+            <a:ext cx="7151212" cy="3553326"/>
+          </a:xfrm>
+        </p:spPr>
+        <p:txBody>
+          <a:bodyPr>
+            <a:normAutofit/>
+          </a:bodyPr>
+          <a:lstStyle/>
+          <a:p>
+            <a:pPr marL="457200" indent="-457200">
+              <a:buAutoNum type="arabicParenR"/>
+            </a:pPr>
+            <a:r>
+              <a:rPr lang="en-US" sz="2400" dirty="0" smtClean="0"/>
+              <a:t>Graphical User Interface</a:t>
+            </a:r>
+          </a:p>
+          <a:p>
+            <a:pPr marL="457200" indent="-457200">
+              <a:buAutoNum type="arabicParenR"/>
+            </a:pPr>
+            <a:r>
+              <a:rPr lang="en-US" sz="2400" dirty="0" err="1" smtClean="0"/>
+              <a:t>Tkinter</a:t>
+            </a:r>
+            <a:r>
+              <a:rPr lang="en-US" sz="2400" dirty="0" smtClean="0"/>
+              <a:t> is a </a:t>
+            </a:r>
+            <a:r>
+              <a:rPr lang="en-US" sz="2400" dirty="0" err="1" smtClean="0"/>
+              <a:t>crosss</a:t>
+            </a:r>
+            <a:r>
+              <a:rPr lang="en-US" sz="2400" dirty="0" smtClean="0"/>
+              <a:t>-platform, cross-language GUI framework.</a:t>
+            </a:r>
+            <a:r>
+              <a:rPr lang="en-US" sz="2400" dirty="0"/>
+              <a:t> </a:t>
+            </a:r>
+            <a:r>
+              <a:rPr lang="en-US" sz="2400" dirty="0" smtClean="0"/>
+              <a:t>(MAC, PC, LINUX, </a:t>
+            </a:r>
+            <a:r>
+              <a:rPr lang="en-US" sz="2400" dirty="0"/>
+              <a:t>P</a:t>
+            </a:r>
+            <a:r>
+              <a:rPr lang="en-US" sz="2400" dirty="0" smtClean="0"/>
+              <a:t>erl, Python, Ruby)</a:t>
+            </a:r>
+          </a:p>
+          <a:p>
+            <a:pPr marL="457200" indent="-457200">
+              <a:buAutoNum type="arabicParenR"/>
+            </a:pPr>
+            <a:r>
+              <a:rPr lang="en-US" sz="2400" dirty="0" smtClean="0"/>
+              <a:t>Great way to start learning object oriented programming.</a:t>
+            </a:r>
+          </a:p>
+          <a:p>
+            <a:pPr marL="457200" indent="-457200">
+              <a:buAutoNum type="arabicParenR"/>
+            </a:pPr>
+            <a:r>
+              <a:rPr lang="en-US" sz="2400" dirty="0" smtClean="0"/>
+              <a:t>Could be its own lecture!</a:t>
+            </a:r>
+          </a:p>
+        </p:txBody>
+      </p:sp>
+    </p:spTree>
+    <p:extLst>
+      <p:ext uri="{BB962C8B-B14F-4D97-AF65-F5344CB8AC3E}">
+        <p14:creationId xmlns:p14="http://schemas.microsoft.com/office/powerpoint/2010/main" val="924962472"/>
+      </p:ext>
+    </p:extLst>
+  </p:cSld>
+  <p:clrMapOvr>
+    <a:masterClrMapping/>
+  </p:clrMapOvr>
+</p:sld>
+</file>
+
+<file path=ppt/slides/slide8.xml><?xml version="1.0" encoding="utf-8"?>
+<p:sld xmlns:a="http://schemas.openxmlformats.org/drawingml/2006/main" xmlns:r="http://schemas.openxmlformats.org/officeDocument/2006/relationships" xmlns:p="http://schemas.openxmlformats.org/presentationml/2006/main">
+  <p:cSld>
+    <p:spTree>
+      <p:nvGrpSpPr>
+        <p:cNvPr id="1" name=""/>
+        <p:cNvGrpSpPr/>
+        <p:nvPr/>
+      </p:nvGrpSpPr>
+      <p:grpSpPr>
+        <a:xfrm>
+          <a:off x="0" y="0"/>
+          <a:ext cx="0" cy="0"/>
+          <a:chOff x="0" y="0"/>
+          <a:chExt cx="0" cy="0"/>
+        </a:xfrm>
+      </p:grpSpPr>
+      <p:sp>
+        <p:nvSpPr>
+          <p:cNvPr id="2" name="Title 1"/>
+          <p:cNvSpPr>
+            <a:spLocks noGrp="1"/>
+          </p:cNvSpPr>
+          <p:nvPr>
+            <p:ph type="title"/>
+          </p:nvPr>
+        </p:nvSpPr>
+        <p:spPr>
+          <a:xfrm>
+            <a:off x="685799" y="609600"/>
+            <a:ext cx="8588203" cy="1042737"/>
+          </a:xfrm>
+        </p:spPr>
+        <p:txBody>
+          <a:bodyPr/>
+          <a:lstStyle/>
+          <a:p>
+            <a:r>
+              <a:rPr lang="en-US" sz="5400" dirty="0" err="1" smtClean="0"/>
+              <a:t>LazyLists</a:t>
+            </a:r>
+            <a:r>
+              <a:rPr lang="en-US" sz="5400" dirty="0" smtClean="0"/>
+              <a:t> GUI Breakdown</a:t>
+            </a:r>
+            <a:endParaRPr lang="en-US" dirty="0"/>
+          </a:p>
+        </p:txBody>
+      </p:sp>
+      <p:sp>
+        <p:nvSpPr>
+          <p:cNvPr id="3" name="Text Placeholder 2"/>
+          <p:cNvSpPr>
+            <a:spLocks noGrp="1"/>
+          </p:cNvSpPr>
+          <p:nvPr>
+            <p:ph type="body" idx="1"/>
+          </p:nvPr>
+        </p:nvSpPr>
+        <p:spPr/>
+        <p:txBody>
+          <a:bodyPr/>
+          <a:lstStyle/>
+          <a:p>
+            <a:endParaRPr lang="en-US" dirty="0"/>
+          </a:p>
+        </p:txBody>
+      </p:sp>
+      <p:pic>
+        <p:nvPicPr>
+          <p:cNvPr id="5" name="Picture 4"/>
+          <p:cNvPicPr>
+            <a:picLocks noChangeAspect="1"/>
+          </p:cNvPicPr>
+          <p:nvPr/>
+        </p:nvPicPr>
+        <p:blipFill>
+          <a:blip r:embed="rId2">
+            <a:extLst>
+              <a:ext uri="{28A0092B-C50C-407E-A947-70E740481C1C}">
+                <a14:useLocalDpi xmlns:a14="http://schemas.microsoft.com/office/drawing/2010/main" val="0"/>
+              </a:ext>
+            </a:extLst>
+          </a:blip>
+          <a:stretch>
+            <a:fillRect/>
+          </a:stretch>
+        </p:blipFill>
+        <p:spPr>
+          <a:xfrm>
+            <a:off x="685799" y="1737153"/>
+            <a:ext cx="10449840" cy="4929826"/>
+          </a:xfrm>
+          <a:prstGeom prst="rect">
+            <a:avLst/>
+          </a:prstGeom>
+        </p:spPr>
+      </p:pic>
+    </p:spTree>
+    <p:extLst>
+      <p:ext uri="{BB962C8B-B14F-4D97-AF65-F5344CB8AC3E}">
+        <p14:creationId xmlns:p14="http://schemas.microsoft.com/office/powerpoint/2010/main" val="1005963929"/>
+      </p:ext>
+    </p:extLst>
+  </p:cSld>
+  <p:clrMapOvr>
+    <a:masterClrMapping/>
+  </p:clrMapOvr>
+</p:sld>
+</file>
+
+<file path=ppt/slides/slide9.xml><?xml version="1.0" encoding="utf-8"?>
+<p:sld xmlns:a="http://schemas.openxmlformats.org/drawingml/2006/main" xmlns:r="http://schemas.openxmlformats.org/officeDocument/2006/relationships" xmlns:p="http://schemas.openxmlformats.org/presentationml/2006/main">
+  <p:cSld>
+    <p:spTree>
+      <p:nvGrpSpPr>
+        <p:cNvPr id="1" name=""/>
+        <p:cNvGrpSpPr/>
+        <p:nvPr/>
+      </p:nvGrpSpPr>
+      <p:grpSpPr>
+        <a:xfrm>
+          <a:off x="0" y="0"/>
+          <a:ext cx="0" cy="0"/>
+          <a:chOff x="0" y="0"/>
+          <a:chExt cx="0" cy="0"/>
+        </a:xfrm>
+      </p:grpSpPr>
+      <p:sp>
+        <p:nvSpPr>
+          <p:cNvPr id="2" name="Title 1"/>
+          <p:cNvSpPr>
+            <a:spLocks noGrp="1"/>
+          </p:cNvSpPr>
+          <p:nvPr>
+            <p:ph type="title"/>
+          </p:nvPr>
+        </p:nvSpPr>
+        <p:spPr>
+          <a:xfrm>
+            <a:off x="685799" y="609600"/>
+            <a:ext cx="8588203" cy="1042737"/>
+          </a:xfrm>
+        </p:spPr>
+        <p:txBody>
+          <a:bodyPr/>
+          <a:lstStyle/>
+          <a:p>
+            <a:r>
+              <a:rPr lang="en-US" sz="5400" dirty="0" smtClean="0"/>
+              <a:t>REST APIs</a:t>
+            </a:r>
+            <a:endParaRPr lang="en-US" dirty="0"/>
+          </a:p>
+        </p:txBody>
+      </p:sp>
+      <p:sp>
+        <p:nvSpPr>
+          <p:cNvPr id="4" name="Text Placeholder 3"/>
+          <p:cNvSpPr>
+            <a:spLocks noGrp="1"/>
+          </p:cNvSpPr>
+          <p:nvPr>
+            <p:ph type="body" idx="1"/>
+          </p:nvPr>
+        </p:nvSpPr>
+        <p:spPr>
+          <a:xfrm>
+            <a:off x="685799" y="1652337"/>
+            <a:ext cx="7293280" cy="4460364"/>
+          </a:xfrm>
+        </p:spPr>
+        <p:txBody>
+          <a:bodyPr>
+            <a:normAutofit/>
+          </a:bodyPr>
+          <a:lstStyle/>
+          <a:p>
+            <a:pPr marL="457200" indent="-457200">
+              <a:buAutoNum type="arabicParenR"/>
+            </a:pPr>
+            <a:r>
+              <a:rPr lang="en-US" sz="2400" dirty="0" smtClean="0"/>
+              <a:t>APIS – Application Programming Interface</a:t>
+            </a:r>
+            <a:r>
+              <a:rPr lang="en-US" sz="2400" dirty="0"/>
+              <a:t> </a:t>
+            </a:r>
+            <a:r>
+              <a:rPr lang="en-US" sz="2400" dirty="0" smtClean="0"/>
+              <a:t>(allows programs to talk with each other)</a:t>
+            </a:r>
+          </a:p>
+          <a:p>
+            <a:pPr marL="457200" indent="-457200">
+              <a:buAutoNum type="arabicParenR"/>
+            </a:pPr>
+            <a:r>
+              <a:rPr lang="en-US" sz="2400" dirty="0" smtClean="0"/>
+              <a:t>REST – Representational State Transfer (you can ignore this now).</a:t>
+            </a:r>
+            <a:endParaRPr lang="en-US" sz="2400" dirty="0"/>
+          </a:p>
+          <a:p>
+            <a:pPr marL="457200" indent="-457200">
+              <a:buAutoNum type="arabicParenR"/>
+            </a:pPr>
+            <a:r>
+              <a:rPr lang="en-US" sz="2400" dirty="0" smtClean="0"/>
+              <a:t>4 commands in REST APIs – GET, POST, PUT, DELETE</a:t>
+            </a:r>
+          </a:p>
+          <a:p>
+            <a:pPr marL="457200" indent="-457200">
+              <a:buAutoNum type="arabicParenR"/>
+            </a:pPr>
+            <a:r>
+              <a:rPr lang="en-US" sz="2400" dirty="0" smtClean="0"/>
+              <a:t>Alma has over 100 APIs (and are adding more regularly). Check out Alma Developer’s Network for detailed documentation on each API.</a:t>
+            </a:r>
+          </a:p>
+        </p:txBody>
+      </p:sp>
+    </p:spTree>
+    <p:extLst>
+      <p:ext uri="{BB962C8B-B14F-4D97-AF65-F5344CB8AC3E}">
+        <p14:creationId xmlns:p14="http://schemas.microsoft.com/office/powerpoint/2010/main" val="2599243455"/>
       </p:ext>
     </p:extLst>
   </p:cSld>
